--- a/08_ETL/01_ETL_Darawarehouse.pptx
+++ b/08_ETL/01_ETL_Darawarehouse.pptx
@@ -5,7 +5,7 @@
     <p:sldMasterId id="2147483648" r:id="rId1"/>
   </p:sldMasterIdLst>
   <p:notesMasterIdLst>
-    <p:notesMasterId r:id="rId13"/>
+    <p:notesMasterId r:id="rId10"/>
   </p:notesMasterIdLst>
   <p:sldIdLst>
     <p:sldId id="257" r:id="rId2"/>
@@ -16,9 +16,6 @@
     <p:sldId id="348" r:id="rId7"/>
     <p:sldId id="349" r:id="rId8"/>
     <p:sldId id="326" r:id="rId9"/>
-    <p:sldId id="347" r:id="rId10"/>
-    <p:sldId id="327" r:id="rId11"/>
-    <p:sldId id="343" r:id="rId12"/>
   </p:sldIdLst>
   <p:sldSz cx="12192000" cy="6858000"/>
   <p:notesSz cx="6858000" cy="9144000"/>
@@ -139,6 +136,36 @@
 <file path=ppt/changesInfos/changesInfo1.xml><?xml version="1.0" encoding="utf-8"?>
 <pc:chgInfo xmlns:a="http://schemas.openxmlformats.org/drawingml/2006/main" xmlns:r="http://schemas.openxmlformats.org/officeDocument/2006/relationships" xmlns:ac="http://schemas.microsoft.com/office/drawing/2013/main/command" xmlns:pc="http://schemas.microsoft.com/office/powerpoint/2013/main/command">
   <pc:docChgLst>
+    <pc:chgData name="Erkan ŞİRİN" userId="7f10ce1d6aaf8c5d" providerId="LiveId" clId="{3E34054A-7D3B-4B8A-B83E-2E7AEDF812D9}"/>
+    <pc:docChg chg="delSld">
+      <pc:chgData name="Erkan ŞİRİN" userId="7f10ce1d6aaf8c5d" providerId="LiveId" clId="{3E34054A-7D3B-4B8A-B83E-2E7AEDF812D9}" dt="2019-05-22T05:58:39.763" v="2" actId="2696"/>
+      <pc:docMkLst>
+        <pc:docMk/>
+      </pc:docMkLst>
+      <pc:sldChg chg="del">
+        <pc:chgData name="Erkan ŞİRİN" userId="7f10ce1d6aaf8c5d" providerId="LiveId" clId="{3E34054A-7D3B-4B8A-B83E-2E7AEDF812D9}" dt="2019-05-22T05:58:39.763" v="1" actId="2696"/>
+        <pc:sldMkLst>
+          <pc:docMk/>
+          <pc:sldMk cId="2082986060" sldId="327"/>
+        </pc:sldMkLst>
+      </pc:sldChg>
+      <pc:sldChg chg="del">
+        <pc:chgData name="Erkan ŞİRİN" userId="7f10ce1d6aaf8c5d" providerId="LiveId" clId="{3E34054A-7D3B-4B8A-B83E-2E7AEDF812D9}" dt="2019-05-22T05:58:39.747" v="0" actId="2696"/>
+        <pc:sldMkLst>
+          <pc:docMk/>
+          <pc:sldMk cId="3622917333" sldId="343"/>
+        </pc:sldMkLst>
+      </pc:sldChg>
+      <pc:sldChg chg="del">
+        <pc:chgData name="Erkan ŞİRİN" userId="7f10ce1d6aaf8c5d" providerId="LiveId" clId="{3E34054A-7D3B-4B8A-B83E-2E7AEDF812D9}" dt="2019-05-22T05:58:39.763" v="2" actId="2696"/>
+        <pc:sldMkLst>
+          <pc:docMk/>
+          <pc:sldMk cId="2235980646" sldId="347"/>
+        </pc:sldMkLst>
+      </pc:sldChg>
+    </pc:docChg>
+  </pc:docChgLst>
+  <pc:docChgLst>
     <pc:chgData name="Erkan ŞİRİN" userId="7f10ce1d6aaf8c5d" providerId="LiveId" clId="{A1F0E04F-9CF8-48A1-A40F-ABC2ED6AC3E2}"/>
     <pc:docChg chg="undo custSel addSld delSld modSld sldOrd">
       <pc:chgData name="Erkan ŞİRİN" userId="7f10ce1d6aaf8c5d" providerId="LiveId" clId="{A1F0E04F-9CF8-48A1-A40F-ABC2ED6AC3E2}" dt="2019-05-19T02:18:51.796" v="1689"/>
@@ -159,34 +186,6 @@
             <ac:spMk id="16" creationId="{00000000-0000-0000-0000-000000000000}"/>
           </ac:spMkLst>
         </pc:spChg>
-      </pc:sldChg>
-      <pc:sldChg chg="del">
-        <pc:chgData name="Erkan ŞİRİN" userId="7f10ce1d6aaf8c5d" providerId="LiveId" clId="{A1F0E04F-9CF8-48A1-A40F-ABC2ED6AC3E2}" dt="2019-05-19T00:52:29.655" v="21" actId="2696"/>
-        <pc:sldMkLst>
-          <pc:docMk/>
-          <pc:sldMk cId="2712616838" sldId="270"/>
-        </pc:sldMkLst>
-      </pc:sldChg>
-      <pc:sldChg chg="del">
-        <pc:chgData name="Erkan ŞİRİN" userId="7f10ce1d6aaf8c5d" providerId="LiveId" clId="{A1F0E04F-9CF8-48A1-A40F-ABC2ED6AC3E2}" dt="2019-05-19T00:52:38.080" v="28" actId="2696"/>
-        <pc:sldMkLst>
-          <pc:docMk/>
-          <pc:sldMk cId="2037725460" sldId="272"/>
-        </pc:sldMkLst>
-      </pc:sldChg>
-      <pc:sldChg chg="del">
-        <pc:chgData name="Erkan ŞİRİN" userId="7f10ce1d6aaf8c5d" providerId="LiveId" clId="{A1F0E04F-9CF8-48A1-A40F-ABC2ED6AC3E2}" dt="2019-05-19T00:52:38.088" v="29" actId="2696"/>
-        <pc:sldMkLst>
-          <pc:docMk/>
-          <pc:sldMk cId="2771750343" sldId="324"/>
-        </pc:sldMkLst>
-      </pc:sldChg>
-      <pc:sldChg chg="del">
-        <pc:chgData name="Erkan ŞİRİN" userId="7f10ce1d6aaf8c5d" providerId="LiveId" clId="{A1F0E04F-9CF8-48A1-A40F-ABC2ED6AC3E2}" dt="2019-05-19T00:52:29.671" v="24" actId="2696"/>
-        <pc:sldMkLst>
-          <pc:docMk/>
-          <pc:sldMk cId="3244032055" sldId="325"/>
-        </pc:sldMkLst>
       </pc:sldChg>
       <pc:sldChg chg="addSp delSp modSp delAnim modAnim">
         <pc:chgData name="Erkan ŞİRİN" userId="7f10ce1d6aaf8c5d" providerId="LiveId" clId="{A1F0E04F-9CF8-48A1-A40F-ABC2ED6AC3E2}" dt="2019-05-19T01:14:04.899" v="572" actId="20577"/>
@@ -256,78 +255,6 @@
             <pc:docMk/>
             <pc:sldMk cId="1894295357" sldId="326"/>
             <ac:cxnSpMk id="8" creationId="{2EC1A205-A2EE-4124-80EB-24330B115FDC}"/>
-          </ac:cxnSpMkLst>
-        </pc:cxnChg>
-      </pc:sldChg>
-      <pc:sldChg chg="addSp">
-        <pc:chgData name="Erkan ŞİRİN" userId="7f10ce1d6aaf8c5d" providerId="LiveId" clId="{A1F0E04F-9CF8-48A1-A40F-ABC2ED6AC3E2}" dt="2019-05-19T00:55:09.462" v="52"/>
-        <pc:sldMkLst>
-          <pc:docMk/>
-          <pc:sldMk cId="2082986060" sldId="327"/>
-        </pc:sldMkLst>
-        <pc:cxnChg chg="add">
-          <ac:chgData name="Erkan ŞİRİN" userId="7f10ce1d6aaf8c5d" providerId="LiveId" clId="{A1F0E04F-9CF8-48A1-A40F-ABC2ED6AC3E2}" dt="2019-05-19T00:55:09.462" v="52"/>
-          <ac:cxnSpMkLst>
-            <pc:docMk/>
-            <pc:sldMk cId="2082986060" sldId="327"/>
-            <ac:cxnSpMk id="16" creationId="{DA35452F-5483-4B73-848E-B46934EBA5F4}"/>
-          </ac:cxnSpMkLst>
-        </pc:cxnChg>
-      </pc:sldChg>
-      <pc:sldChg chg="del">
-        <pc:chgData name="Erkan ŞİRİN" userId="7f10ce1d6aaf8c5d" providerId="LiveId" clId="{A1F0E04F-9CF8-48A1-A40F-ABC2ED6AC3E2}" dt="2019-05-19T00:52:38.070" v="25" actId="2696"/>
-        <pc:sldMkLst>
-          <pc:docMk/>
-          <pc:sldMk cId="3621928298" sldId="328"/>
-        </pc:sldMkLst>
-      </pc:sldChg>
-      <pc:sldChg chg="del">
-        <pc:chgData name="Erkan ŞİRİN" userId="7f10ce1d6aaf8c5d" providerId="LiveId" clId="{A1F0E04F-9CF8-48A1-A40F-ABC2ED6AC3E2}" dt="2019-05-19T00:52:29.658" v="22" actId="2696"/>
-        <pc:sldMkLst>
-          <pc:docMk/>
-          <pc:sldMk cId="3869546709" sldId="338"/>
-        </pc:sldMkLst>
-      </pc:sldChg>
-      <pc:sldChg chg="del">
-        <pc:chgData name="Erkan ŞİRİN" userId="7f10ce1d6aaf8c5d" providerId="LiveId" clId="{A1F0E04F-9CF8-48A1-A40F-ABC2ED6AC3E2}" dt="2019-05-19T00:52:29.664" v="23" actId="2696"/>
-        <pc:sldMkLst>
-          <pc:docMk/>
-          <pc:sldMk cId="842452431" sldId="339"/>
-        </pc:sldMkLst>
-      </pc:sldChg>
-      <pc:sldChg chg="del">
-        <pc:chgData name="Erkan ŞİRİN" userId="7f10ce1d6aaf8c5d" providerId="LiveId" clId="{A1F0E04F-9CF8-48A1-A40F-ABC2ED6AC3E2}" dt="2019-05-19T00:52:29.651" v="20" actId="2696"/>
-        <pc:sldMkLst>
-          <pc:docMk/>
-          <pc:sldMk cId="3514832753" sldId="340"/>
-        </pc:sldMkLst>
-      </pc:sldChg>
-      <pc:sldChg chg="del">
-        <pc:chgData name="Erkan ŞİRİN" userId="7f10ce1d6aaf8c5d" providerId="LiveId" clId="{A1F0E04F-9CF8-48A1-A40F-ABC2ED6AC3E2}" dt="2019-05-19T00:52:38.074" v="26" actId="2696"/>
-        <pc:sldMkLst>
-          <pc:docMk/>
-          <pc:sldMk cId="3507462273" sldId="341"/>
-        </pc:sldMkLst>
-      </pc:sldChg>
-      <pc:sldChg chg="del">
-        <pc:chgData name="Erkan ŞİRİN" userId="7f10ce1d6aaf8c5d" providerId="LiveId" clId="{A1F0E04F-9CF8-48A1-A40F-ABC2ED6AC3E2}" dt="2019-05-19T00:52:38.076" v="27" actId="2696"/>
-        <pc:sldMkLst>
-          <pc:docMk/>
-          <pc:sldMk cId="4115308414" sldId="342"/>
-        </pc:sldMkLst>
-      </pc:sldChg>
-      <pc:sldChg chg="addSp">
-        <pc:chgData name="Erkan ŞİRİN" userId="7f10ce1d6aaf8c5d" providerId="LiveId" clId="{A1F0E04F-9CF8-48A1-A40F-ABC2ED6AC3E2}" dt="2019-05-19T00:55:10.904" v="53"/>
-        <pc:sldMkLst>
-          <pc:docMk/>
-          <pc:sldMk cId="3622917333" sldId="343"/>
-        </pc:sldMkLst>
-        <pc:cxnChg chg="add">
-          <ac:chgData name="Erkan ŞİRİN" userId="7f10ce1d6aaf8c5d" providerId="LiveId" clId="{A1F0E04F-9CF8-48A1-A40F-ABC2ED6AC3E2}" dt="2019-05-19T00:55:10.904" v="53"/>
-          <ac:cxnSpMkLst>
-            <pc:docMk/>
-            <pc:sldMk cId="3622917333" sldId="343"/>
-            <ac:cxnSpMk id="4" creationId="{68211B83-E745-445D-8DE8-1B7308F949CC}"/>
           </ac:cxnSpMkLst>
         </pc:cxnChg>
       </pc:sldChg>
@@ -503,13 +430,6 @@
             <ac:picMk id="9" creationId="{503CEFC5-190F-402A-BECA-B06EFA12D04F}"/>
           </ac:picMkLst>
         </pc:picChg>
-      </pc:sldChg>
-      <pc:sldChg chg="add">
-        <pc:chgData name="Erkan ŞİRİN" userId="7f10ce1d6aaf8c5d" providerId="LiveId" clId="{A1F0E04F-9CF8-48A1-A40F-ABC2ED6AC3E2}" dt="2019-05-19T01:07:31.507" v="412"/>
-        <pc:sldMkLst>
-          <pc:docMk/>
-          <pc:sldMk cId="2235980646" sldId="347"/>
-        </pc:sldMkLst>
       </pc:sldChg>
       <pc:sldChg chg="addSp delSp modSp add">
         <pc:chgData name="Erkan ŞİRİN" userId="7f10ce1d6aaf8c5d" providerId="LiveId" clId="{A1F0E04F-9CF8-48A1-A40F-ABC2ED6AC3E2}" dt="2019-05-19T01:35:30.120" v="931" actId="1076"/>
@@ -795,7 +715,7 @@
           <a:p>
             <a:fld id="{6F77F576-AE14-466D-AA6B-335273622B21}" type="datetimeFigureOut">
               <a:rPr lang="en-US" smtClean="0"/>
-              <a:t>5/19/2019</a:t>
+              <a:t>5/22/2019</a:t>
             </a:fld>
             <a:endParaRPr lang="en-US"/>
           </a:p>
@@ -1194,7 +1114,7 @@
           <a:p>
             <a:fld id="{54AA066D-271F-4C1A-B89A-0705A7689EE9}" type="datetimeFigureOut">
               <a:rPr lang="en-US" smtClean="0"/>
-              <a:t>5/19/2019</a:t>
+              <a:t>5/22/2019</a:t>
             </a:fld>
             <a:endParaRPr lang="en-US"/>
           </a:p>
@@ -1364,7 +1284,7 @@
           <a:p>
             <a:fld id="{54AA066D-271F-4C1A-B89A-0705A7689EE9}" type="datetimeFigureOut">
               <a:rPr lang="en-US" smtClean="0"/>
-              <a:t>5/19/2019</a:t>
+              <a:t>5/22/2019</a:t>
             </a:fld>
             <a:endParaRPr lang="en-US"/>
           </a:p>
@@ -1544,7 +1464,7 @@
           <a:p>
             <a:fld id="{54AA066D-271F-4C1A-B89A-0705A7689EE9}" type="datetimeFigureOut">
               <a:rPr lang="en-US" smtClean="0"/>
-              <a:t>5/19/2019</a:t>
+              <a:t>5/22/2019</a:t>
             </a:fld>
             <a:endParaRPr lang="en-US"/>
           </a:p>
@@ -1714,7 +1634,7 @@
           <a:p>
             <a:fld id="{54AA066D-271F-4C1A-B89A-0705A7689EE9}" type="datetimeFigureOut">
               <a:rPr lang="en-US" smtClean="0"/>
-              <a:t>5/19/2019</a:t>
+              <a:t>5/22/2019</a:t>
             </a:fld>
             <a:endParaRPr lang="en-US"/>
           </a:p>
@@ -1960,7 +1880,7 @@
           <a:p>
             <a:fld id="{54AA066D-271F-4C1A-B89A-0705A7689EE9}" type="datetimeFigureOut">
               <a:rPr lang="en-US" smtClean="0"/>
-              <a:t>5/19/2019</a:t>
+              <a:t>5/22/2019</a:t>
             </a:fld>
             <a:endParaRPr lang="en-US"/>
           </a:p>
@@ -2192,7 +2112,7 @@
           <a:p>
             <a:fld id="{54AA066D-271F-4C1A-B89A-0705A7689EE9}" type="datetimeFigureOut">
               <a:rPr lang="en-US" smtClean="0"/>
-              <a:t>5/19/2019</a:t>
+              <a:t>5/22/2019</a:t>
             </a:fld>
             <a:endParaRPr lang="en-US"/>
           </a:p>
@@ -2559,7 +2479,7 @@
           <a:p>
             <a:fld id="{54AA066D-271F-4C1A-B89A-0705A7689EE9}" type="datetimeFigureOut">
               <a:rPr lang="en-US" smtClean="0"/>
-              <a:t>5/19/2019</a:t>
+              <a:t>5/22/2019</a:t>
             </a:fld>
             <a:endParaRPr lang="en-US"/>
           </a:p>
@@ -2677,7 +2597,7 @@
           <a:p>
             <a:fld id="{54AA066D-271F-4C1A-B89A-0705A7689EE9}" type="datetimeFigureOut">
               <a:rPr lang="en-US" smtClean="0"/>
-              <a:t>5/19/2019</a:t>
+              <a:t>5/22/2019</a:t>
             </a:fld>
             <a:endParaRPr lang="en-US"/>
           </a:p>
@@ -2772,7 +2692,7 @@
           <a:p>
             <a:fld id="{54AA066D-271F-4C1A-B89A-0705A7689EE9}" type="datetimeFigureOut">
               <a:rPr lang="en-US" smtClean="0"/>
-              <a:t>5/19/2019</a:t>
+              <a:t>5/22/2019</a:t>
             </a:fld>
             <a:endParaRPr lang="en-US"/>
           </a:p>
@@ -3049,7 +2969,7 @@
           <a:p>
             <a:fld id="{54AA066D-271F-4C1A-B89A-0705A7689EE9}" type="datetimeFigureOut">
               <a:rPr lang="en-US" smtClean="0"/>
-              <a:t>5/19/2019</a:t>
+              <a:t>5/22/2019</a:t>
             </a:fld>
             <a:endParaRPr lang="en-US"/>
           </a:p>
@@ -3302,7 +3222,7 @@
           <a:p>
             <a:fld id="{54AA066D-271F-4C1A-B89A-0705A7689EE9}" type="datetimeFigureOut">
               <a:rPr lang="en-US" smtClean="0"/>
-              <a:t>5/19/2019</a:t>
+              <a:t>5/22/2019</a:t>
             </a:fld>
             <a:endParaRPr lang="en-US"/>
           </a:p>
@@ -3515,7 +3435,7 @@
           <a:p>
             <a:fld id="{54AA066D-271F-4C1A-B89A-0705A7689EE9}" type="datetimeFigureOut">
               <a:rPr lang="en-US" smtClean="0"/>
-              <a:t>5/19/2019</a:t>
+              <a:t>5/22/2019</a:t>
             </a:fld>
             <a:endParaRPr lang="en-US"/>
           </a:p>
@@ -4022,1439 +3942,6 @@
   <p:clrMapOvr>
     <a:masterClrMapping/>
   </p:clrMapOvr>
-</p:sld>
-</file>
-
-<file path=ppt/slides/slide10.xml><?xml version="1.0" encoding="utf-8"?>
-<p:sld xmlns:a="http://schemas.openxmlformats.org/drawingml/2006/main" xmlns:r="http://schemas.openxmlformats.org/officeDocument/2006/relationships" xmlns:p="http://schemas.openxmlformats.org/presentationml/2006/main">
-  <p:cSld>
-    <p:spTree>
-      <p:nvGrpSpPr>
-        <p:cNvPr id="1" name=""/>
-        <p:cNvGrpSpPr/>
-        <p:nvPr/>
-      </p:nvGrpSpPr>
-      <p:grpSpPr>
-        <a:xfrm>
-          <a:off x="0" y="0"/>
-          <a:ext cx="0" cy="0"/>
-          <a:chOff x="0" y="0"/>
-          <a:chExt cx="0" cy="0"/>
-        </a:xfrm>
-      </p:grpSpPr>
-      <p:sp>
-        <p:nvSpPr>
-          <p:cNvPr id="5" name="Unvan 1"/>
-          <p:cNvSpPr txBox="1">
-            <a:spLocks/>
-          </p:cNvSpPr>
-          <p:nvPr/>
-        </p:nvSpPr>
-        <p:spPr>
-          <a:xfrm>
-            <a:off x="1331670" y="574230"/>
-            <a:ext cx="9144000" cy="675975"/>
-          </a:xfrm>
-          <a:prstGeom prst="rect">
-            <a:avLst/>
-          </a:prstGeom>
-        </p:spPr>
-        <p:txBody>
-          <a:bodyPr>
-            <a:normAutofit/>
-          </a:bodyPr>
-          <a:lstStyle>
-            <a:lvl1pPr algn="l" defTabSz="914400" rtl="0" eaLnBrk="1" latinLnBrk="0" hangingPunct="1">
-              <a:lnSpc>
-                <a:spcPct val="90000"/>
-              </a:lnSpc>
-              <a:spcBef>
-                <a:spcPct val="0"/>
-              </a:spcBef>
-              <a:buNone/>
-              <a:defRPr sz="4400" kern="1200">
-                <a:solidFill>
-                  <a:schemeClr val="tx1"/>
-                </a:solidFill>
-                <a:latin typeface="+mj-lt"/>
-                <a:ea typeface="+mj-ea"/>
-                <a:cs typeface="+mj-cs"/>
-              </a:defRPr>
-            </a:lvl1pPr>
-          </a:lstStyle>
-          <a:p>
-            <a:pPr algn="ctr"/>
-            <a:r>
-              <a:rPr lang="tr-TR" sz="4200" b="1" dirty="0">
-                <a:solidFill>
-                  <a:srgbClr val="FF1F20"/>
-                </a:solidFill>
-                <a:latin typeface="Arial" panose="020B0604020202020204" pitchFamily="34" charset="0"/>
-                <a:ea typeface="Verdana" panose="020B0604030504040204" pitchFamily="34" charset="0"/>
-                <a:cs typeface="Arial" panose="020B0604020202020204" pitchFamily="34" charset="0"/>
-              </a:rPr>
-              <a:t>Kötü Veri</a:t>
-            </a:r>
-            <a:endParaRPr lang="en-US" sz="4200" b="1" dirty="0">
-              <a:solidFill>
-                <a:srgbClr val="FF1F20"/>
-              </a:solidFill>
-              <a:latin typeface="Arial" panose="020B0604020202020204" pitchFamily="34" charset="0"/>
-              <a:ea typeface="Verdana" panose="020B0604030504040204" pitchFamily="34" charset="0"/>
-              <a:cs typeface="Arial" panose="020B0604020202020204" pitchFamily="34" charset="0"/>
-            </a:endParaRPr>
-          </a:p>
-        </p:txBody>
-      </p:sp>
-      <p:sp>
-        <p:nvSpPr>
-          <p:cNvPr id="3" name="Dikdörtgen 2">
-            <a:extLst>
-              <a:ext uri="{FF2B5EF4-FFF2-40B4-BE49-F238E27FC236}">
-                <a16:creationId xmlns:a16="http://schemas.microsoft.com/office/drawing/2014/main" id="{E883A5CF-C753-4A60-A101-6F0BB8D09B77}"/>
-              </a:ext>
-            </a:extLst>
-          </p:cNvPr>
-          <p:cNvSpPr/>
-          <p:nvPr/>
-        </p:nvSpPr>
-        <p:spPr>
-          <a:xfrm>
-            <a:off x="1618311" y="1654639"/>
-            <a:ext cx="8570718" cy="523220"/>
-          </a:xfrm>
-          <a:prstGeom prst="rect">
-            <a:avLst/>
-          </a:prstGeom>
-        </p:spPr>
-        <p:txBody>
-          <a:bodyPr wrap="square">
-            <a:spAutoFit/>
-          </a:bodyPr>
-          <a:lstStyle/>
-          <a:p>
-            <a:pPr algn="ctr"/>
-            <a:r>
-              <a:rPr lang="tr-TR" sz="2800" dirty="0">
-                <a:latin typeface="Roboto"/>
-              </a:rPr>
-              <a:t>Zaman ve enerjinin çoğu veriyle boğuşmakla geçer.</a:t>
-            </a:r>
-          </a:p>
-        </p:txBody>
-      </p:sp>
-      <p:pic>
-        <p:nvPicPr>
-          <p:cNvPr id="8" name="Resim 7">
-            <a:extLst>
-              <a:ext uri="{FF2B5EF4-FFF2-40B4-BE49-F238E27FC236}">
-                <a16:creationId xmlns:a16="http://schemas.microsoft.com/office/drawing/2014/main" id="{5AFFD7AE-B3D7-44F1-8964-3D42DC9B61D4}"/>
-              </a:ext>
-            </a:extLst>
-          </p:cNvPr>
-          <p:cNvPicPr>
-            <a:picLocks noChangeAspect="1"/>
-          </p:cNvPicPr>
-          <p:nvPr/>
-        </p:nvPicPr>
-        <p:blipFill>
-          <a:blip r:embed="rId2">
-            <a:extLst>
-              <a:ext uri="{28A0092B-C50C-407E-A947-70E740481C1C}">
-                <a14:useLocalDpi xmlns:a14="http://schemas.microsoft.com/office/drawing/2010/main" val="0"/>
-              </a:ext>
-            </a:extLst>
-          </a:blip>
-          <a:stretch>
-            <a:fillRect/>
-          </a:stretch>
-        </p:blipFill>
-        <p:spPr>
-          <a:xfrm>
-            <a:off x="2424566" y="2920280"/>
-            <a:ext cx="1914525" cy="2381250"/>
-          </a:xfrm>
-          <a:prstGeom prst="rect">
-            <a:avLst/>
-          </a:prstGeom>
-        </p:spPr>
-      </p:pic>
-      <p:sp>
-        <p:nvSpPr>
-          <p:cNvPr id="10" name="Eşittir 9">
-            <a:extLst>
-              <a:ext uri="{FF2B5EF4-FFF2-40B4-BE49-F238E27FC236}">
-                <a16:creationId xmlns:a16="http://schemas.microsoft.com/office/drawing/2014/main" id="{A44AEE4E-25DC-4847-98FA-8738493CACD4}"/>
-              </a:ext>
-            </a:extLst>
-          </p:cNvPr>
-          <p:cNvSpPr/>
-          <p:nvPr/>
-        </p:nvSpPr>
-        <p:spPr>
-          <a:xfrm>
-            <a:off x="5199742" y="3590773"/>
-            <a:ext cx="2206172" cy="1316964"/>
-          </a:xfrm>
-          <a:prstGeom prst="mathEqual">
-            <a:avLst>
-              <a:gd name="adj1" fmla="val 23520"/>
-              <a:gd name="adj2" fmla="val 8718"/>
-            </a:avLst>
-          </a:prstGeom>
-          <a:solidFill>
-            <a:srgbClr val="93A1A7"/>
-          </a:solidFill>
-          <a:ln>
-            <a:solidFill>
-              <a:schemeClr val="tx1">
-                <a:lumMod val="65000"/>
-                <a:lumOff val="35000"/>
-              </a:schemeClr>
-            </a:solidFill>
-          </a:ln>
-        </p:spPr>
-        <p:style>
-          <a:lnRef idx="2">
-            <a:schemeClr val="accent1">
-              <a:shade val="50000"/>
-            </a:schemeClr>
-          </a:lnRef>
-          <a:fillRef idx="1">
-            <a:schemeClr val="accent1"/>
-          </a:fillRef>
-          <a:effectRef idx="0">
-            <a:schemeClr val="accent1"/>
-          </a:effectRef>
-          <a:fontRef idx="minor">
-            <a:schemeClr val="lt1"/>
-          </a:fontRef>
-        </p:style>
-        <p:txBody>
-          <a:bodyPr rtlCol="0" anchor="ctr"/>
-          <a:lstStyle/>
-          <a:p>
-            <a:pPr algn="ctr"/>
-            <a:endParaRPr lang="tr-TR">
-              <a:solidFill>
-                <a:schemeClr val="tx1"/>
-              </a:solidFill>
-            </a:endParaRPr>
-          </a:p>
-        </p:txBody>
-      </p:sp>
-      <p:pic>
-        <p:nvPicPr>
-          <p:cNvPr id="11" name="Resim 10">
-            <a:extLst>
-              <a:ext uri="{FF2B5EF4-FFF2-40B4-BE49-F238E27FC236}">
-                <a16:creationId xmlns:a16="http://schemas.microsoft.com/office/drawing/2014/main" id="{D4D1D4C0-BBFE-4B32-AB6E-275116EB97B2}"/>
-              </a:ext>
-            </a:extLst>
-          </p:cNvPr>
-          <p:cNvPicPr>
-            <a:picLocks noChangeAspect="1"/>
-          </p:cNvPicPr>
-          <p:nvPr/>
-        </p:nvPicPr>
-        <p:blipFill>
-          <a:blip r:embed="rId2">
-            <a:extLst>
-              <a:ext uri="{28A0092B-C50C-407E-A947-70E740481C1C}">
-                <a14:useLocalDpi xmlns:a14="http://schemas.microsoft.com/office/drawing/2010/main" val="0"/>
-              </a:ext>
-            </a:extLst>
-          </a:blip>
-          <a:stretch>
-            <a:fillRect/>
-          </a:stretch>
-        </p:blipFill>
-        <p:spPr>
-          <a:xfrm>
-            <a:off x="8146702" y="2920280"/>
-            <a:ext cx="1914525" cy="2381250"/>
-          </a:xfrm>
-          <a:prstGeom prst="rect">
-            <a:avLst/>
-          </a:prstGeom>
-        </p:spPr>
-      </p:pic>
-      <p:sp>
-        <p:nvSpPr>
-          <p:cNvPr id="12" name="Dikdörtgen 11">
-            <a:extLst>
-              <a:ext uri="{FF2B5EF4-FFF2-40B4-BE49-F238E27FC236}">
-                <a16:creationId xmlns:a16="http://schemas.microsoft.com/office/drawing/2014/main" id="{109AE49C-D3DA-43D1-B998-D4B646D4A48C}"/>
-              </a:ext>
-            </a:extLst>
-          </p:cNvPr>
-          <p:cNvSpPr/>
-          <p:nvPr/>
-        </p:nvSpPr>
-        <p:spPr>
-          <a:xfrm>
-            <a:off x="1166905" y="5653705"/>
-            <a:ext cx="1133644" cy="369332"/>
-          </a:xfrm>
-          <a:prstGeom prst="rect">
-            <a:avLst/>
-          </a:prstGeom>
-        </p:spPr>
-        <p:txBody>
-          <a:bodyPr wrap="none">
-            <a:spAutoFit/>
-          </a:bodyPr>
-          <a:lstStyle/>
-          <a:p>
-            <a:r>
-              <a:rPr lang="tr-TR" dirty="0">
-                <a:latin typeface="Roboto"/>
-              </a:rPr>
-              <a:t>Boşluklar</a:t>
-            </a:r>
-            <a:endParaRPr lang="tr-TR" dirty="0"/>
-          </a:p>
-        </p:txBody>
-      </p:sp>
-      <p:sp>
-        <p:nvSpPr>
-          <p:cNvPr id="13" name="Dikdörtgen 12">
-            <a:extLst>
-              <a:ext uri="{FF2B5EF4-FFF2-40B4-BE49-F238E27FC236}">
-                <a16:creationId xmlns:a16="http://schemas.microsoft.com/office/drawing/2014/main" id="{3341EDE1-D9ED-40F3-97F2-8CFE07EFB2FE}"/>
-              </a:ext>
-            </a:extLst>
-          </p:cNvPr>
-          <p:cNvSpPr/>
-          <p:nvPr/>
-        </p:nvSpPr>
-        <p:spPr>
-          <a:xfrm>
-            <a:off x="3017477" y="5859285"/>
-            <a:ext cx="1834798" cy="369332"/>
-          </a:xfrm>
-          <a:prstGeom prst="rect">
-            <a:avLst/>
-          </a:prstGeom>
-        </p:spPr>
-        <p:txBody>
-          <a:bodyPr wrap="none">
-            <a:spAutoFit/>
-          </a:bodyPr>
-          <a:lstStyle/>
-          <a:p>
-            <a:r>
-              <a:rPr lang="tr-TR" dirty="0">
-                <a:latin typeface="Roboto"/>
-              </a:rPr>
-              <a:t>Aykırı gözlemler</a:t>
-            </a:r>
-            <a:endParaRPr lang="tr-TR" dirty="0"/>
-          </a:p>
-        </p:txBody>
-      </p:sp>
-      <p:sp>
-        <p:nvSpPr>
-          <p:cNvPr id="14" name="Dikdörtgen 13">
-            <a:extLst>
-              <a:ext uri="{FF2B5EF4-FFF2-40B4-BE49-F238E27FC236}">
-                <a16:creationId xmlns:a16="http://schemas.microsoft.com/office/drawing/2014/main" id="{A0024D1A-5FDA-4720-8713-FF9C78E233F4}"/>
-              </a:ext>
-            </a:extLst>
-          </p:cNvPr>
-          <p:cNvSpPr/>
-          <p:nvPr/>
-        </p:nvSpPr>
-        <p:spPr>
-          <a:xfrm>
-            <a:off x="5178601" y="5674619"/>
-            <a:ext cx="1719253" cy="369332"/>
-          </a:xfrm>
-          <a:prstGeom prst="rect">
-            <a:avLst/>
-          </a:prstGeom>
-        </p:spPr>
-        <p:txBody>
-          <a:bodyPr wrap="none">
-            <a:spAutoFit/>
-          </a:bodyPr>
-          <a:lstStyle/>
-          <a:p>
-            <a:r>
-              <a:rPr lang="tr-TR" dirty="0">
-                <a:latin typeface="Roboto"/>
-              </a:rPr>
-              <a:t>Yanlış değerler</a:t>
-            </a:r>
-            <a:endParaRPr lang="tr-TR" dirty="0"/>
-          </a:p>
-        </p:txBody>
-      </p:sp>
-      <p:sp>
-        <p:nvSpPr>
-          <p:cNvPr id="15" name="Dikdörtgen 14">
-            <a:extLst>
-              <a:ext uri="{FF2B5EF4-FFF2-40B4-BE49-F238E27FC236}">
-                <a16:creationId xmlns:a16="http://schemas.microsoft.com/office/drawing/2014/main" id="{0E57F0FF-0535-49D5-8818-ED912B7D43CB}"/>
-              </a:ext>
-            </a:extLst>
-          </p:cNvPr>
-          <p:cNvSpPr/>
-          <p:nvPr/>
-        </p:nvSpPr>
-        <p:spPr>
-          <a:xfrm>
-            <a:off x="7384711" y="6060454"/>
-            <a:ext cx="941283" cy="369332"/>
-          </a:xfrm>
-          <a:prstGeom prst="rect">
-            <a:avLst/>
-          </a:prstGeom>
-        </p:spPr>
-        <p:txBody>
-          <a:bodyPr wrap="none">
-            <a:spAutoFit/>
-          </a:bodyPr>
-          <a:lstStyle/>
-          <a:p>
-            <a:r>
-              <a:rPr lang="tr-TR" dirty="0">
-                <a:latin typeface="Roboto"/>
-              </a:rPr>
-              <a:t>Gürültü</a:t>
-            </a:r>
-            <a:endParaRPr lang="tr-TR" dirty="0"/>
-          </a:p>
-        </p:txBody>
-      </p:sp>
-      <p:cxnSp>
-        <p:nvCxnSpPr>
-          <p:cNvPr id="16" name="Düz Bağlayıcı 15">
-            <a:extLst>
-              <a:ext uri="{FF2B5EF4-FFF2-40B4-BE49-F238E27FC236}">
-                <a16:creationId xmlns:a16="http://schemas.microsoft.com/office/drawing/2014/main" id="{DA35452F-5483-4B73-848E-B46934EBA5F4}"/>
-              </a:ext>
-            </a:extLst>
-          </p:cNvPr>
-          <p:cNvCxnSpPr/>
-          <p:nvPr/>
-        </p:nvCxnSpPr>
-        <p:spPr>
-          <a:xfrm>
-            <a:off x="228596" y="6166763"/>
-            <a:ext cx="11768671" cy="0"/>
-          </a:xfrm>
-          <a:prstGeom prst="line">
-            <a:avLst/>
-          </a:prstGeom>
-          <a:ln w="101600" cmpd="thickThin">
-            <a:solidFill>
-              <a:schemeClr val="accent1">
-                <a:lumMod val="75000"/>
-              </a:schemeClr>
-            </a:solidFill>
-          </a:ln>
-        </p:spPr>
-        <p:style>
-          <a:lnRef idx="1">
-            <a:schemeClr val="accent1"/>
-          </a:lnRef>
-          <a:fillRef idx="0">
-            <a:schemeClr val="accent1"/>
-          </a:fillRef>
-          <a:effectRef idx="0">
-            <a:schemeClr val="accent1"/>
-          </a:effectRef>
-          <a:fontRef idx="minor">
-            <a:schemeClr val="tx1"/>
-          </a:fontRef>
-        </p:style>
-      </p:cxnSp>
-    </p:spTree>
-    <p:extLst>
-      <p:ext uri="{BB962C8B-B14F-4D97-AF65-F5344CB8AC3E}">
-        <p14:creationId xmlns:p14="http://schemas.microsoft.com/office/powerpoint/2010/main" val="2082986060"/>
-      </p:ext>
-    </p:extLst>
-  </p:cSld>
-  <p:clrMapOvr>
-    <a:masterClrMapping/>
-  </p:clrMapOvr>
-  <p:timing>
-    <p:tnLst>
-      <p:par>
-        <p:cTn id="1" dur="indefinite" restart="never" nodeType="tmRoot">
-          <p:childTnLst>
-            <p:seq concurrent="1" nextAc="seek">
-              <p:cTn id="2" dur="indefinite" nodeType="mainSeq">
-                <p:childTnLst>
-                  <p:par>
-                    <p:cTn id="3" fill="hold">
-                      <p:stCondLst>
-                        <p:cond delay="indefinite"/>
-                      </p:stCondLst>
-                      <p:childTnLst>
-                        <p:par>
-                          <p:cTn id="4" fill="hold">
-                            <p:stCondLst>
-                              <p:cond delay="0"/>
-                            </p:stCondLst>
-                            <p:childTnLst>
-                              <p:par>
-                                <p:cTn id="5" presetID="10" presetClass="entr" presetSubtype="0" fill="hold" grpId="0" nodeType="clickEffect">
-                                  <p:stCondLst>
-                                    <p:cond delay="0"/>
-                                  </p:stCondLst>
-                                  <p:childTnLst>
-                                    <p:set>
-                                      <p:cBhvr>
-                                        <p:cTn id="6" dur="1" fill="hold">
-                                          <p:stCondLst>
-                                            <p:cond delay="0"/>
-                                          </p:stCondLst>
-                                        </p:cTn>
-                                        <p:tgtEl>
-                                          <p:spTgt spid="3"/>
-                                        </p:tgtEl>
-                                        <p:attrNameLst>
-                                          <p:attrName>style.visibility</p:attrName>
-                                        </p:attrNameLst>
-                                      </p:cBhvr>
-                                      <p:to>
-                                        <p:strVal val="visible"/>
-                                      </p:to>
-                                    </p:set>
-                                    <p:animEffect transition="in" filter="fade">
-                                      <p:cBhvr>
-                                        <p:cTn id="7" dur="500"/>
-                                        <p:tgtEl>
-                                          <p:spTgt spid="3"/>
-                                        </p:tgtEl>
-                                      </p:cBhvr>
-                                    </p:animEffect>
-                                  </p:childTnLst>
-                                </p:cTn>
-                              </p:par>
-                            </p:childTnLst>
-                          </p:cTn>
-                        </p:par>
-                      </p:childTnLst>
-                    </p:cTn>
-                  </p:par>
-                  <p:par>
-                    <p:cTn id="8" fill="hold">
-                      <p:stCondLst>
-                        <p:cond delay="indefinite"/>
-                      </p:stCondLst>
-                      <p:childTnLst>
-                        <p:par>
-                          <p:cTn id="9" fill="hold">
-                            <p:stCondLst>
-                              <p:cond delay="0"/>
-                            </p:stCondLst>
-                            <p:childTnLst>
-                              <p:par>
-                                <p:cTn id="10" presetID="10" presetClass="entr" presetSubtype="0" fill="hold" nodeType="clickEffect">
-                                  <p:stCondLst>
-                                    <p:cond delay="0"/>
-                                  </p:stCondLst>
-                                  <p:childTnLst>
-                                    <p:set>
-                                      <p:cBhvr>
-                                        <p:cTn id="11" dur="1" fill="hold">
-                                          <p:stCondLst>
-                                            <p:cond delay="0"/>
-                                          </p:stCondLst>
-                                        </p:cTn>
-                                        <p:tgtEl>
-                                          <p:spTgt spid="8"/>
-                                        </p:tgtEl>
-                                        <p:attrNameLst>
-                                          <p:attrName>style.visibility</p:attrName>
-                                        </p:attrNameLst>
-                                      </p:cBhvr>
-                                      <p:to>
-                                        <p:strVal val="visible"/>
-                                      </p:to>
-                                    </p:set>
-                                    <p:animEffect transition="in" filter="fade">
-                                      <p:cBhvr>
-                                        <p:cTn id="12" dur="500"/>
-                                        <p:tgtEl>
-                                          <p:spTgt spid="8"/>
-                                        </p:tgtEl>
-                                      </p:cBhvr>
-                                    </p:animEffect>
-                                  </p:childTnLst>
-                                </p:cTn>
-                              </p:par>
-                            </p:childTnLst>
-                          </p:cTn>
-                        </p:par>
-                        <p:par>
-                          <p:cTn id="13" fill="hold">
-                            <p:stCondLst>
-                              <p:cond delay="500"/>
-                            </p:stCondLst>
-                            <p:childTnLst>
-                              <p:par>
-                                <p:cTn id="14" presetID="10" presetClass="entr" presetSubtype="0" fill="hold" grpId="0" nodeType="afterEffect">
-                                  <p:stCondLst>
-                                    <p:cond delay="0"/>
-                                  </p:stCondLst>
-                                  <p:childTnLst>
-                                    <p:set>
-                                      <p:cBhvr>
-                                        <p:cTn id="15" dur="1" fill="hold">
-                                          <p:stCondLst>
-                                            <p:cond delay="0"/>
-                                          </p:stCondLst>
-                                        </p:cTn>
-                                        <p:tgtEl>
-                                          <p:spTgt spid="10"/>
-                                        </p:tgtEl>
-                                        <p:attrNameLst>
-                                          <p:attrName>style.visibility</p:attrName>
-                                        </p:attrNameLst>
-                                      </p:cBhvr>
-                                      <p:to>
-                                        <p:strVal val="visible"/>
-                                      </p:to>
-                                    </p:set>
-                                    <p:animEffect transition="in" filter="fade">
-                                      <p:cBhvr>
-                                        <p:cTn id="16" dur="500"/>
-                                        <p:tgtEl>
-                                          <p:spTgt spid="10"/>
-                                        </p:tgtEl>
-                                      </p:cBhvr>
-                                    </p:animEffect>
-                                  </p:childTnLst>
-                                </p:cTn>
-                              </p:par>
-                            </p:childTnLst>
-                          </p:cTn>
-                        </p:par>
-                        <p:par>
-                          <p:cTn id="17" fill="hold">
-                            <p:stCondLst>
-                              <p:cond delay="1000"/>
-                            </p:stCondLst>
-                            <p:childTnLst>
-                              <p:par>
-                                <p:cTn id="18" presetID="10" presetClass="entr" presetSubtype="0" fill="hold" nodeType="afterEffect">
-                                  <p:stCondLst>
-                                    <p:cond delay="0"/>
-                                  </p:stCondLst>
-                                  <p:childTnLst>
-                                    <p:set>
-                                      <p:cBhvr>
-                                        <p:cTn id="19" dur="1" fill="hold">
-                                          <p:stCondLst>
-                                            <p:cond delay="0"/>
-                                          </p:stCondLst>
-                                        </p:cTn>
-                                        <p:tgtEl>
-                                          <p:spTgt spid="11"/>
-                                        </p:tgtEl>
-                                        <p:attrNameLst>
-                                          <p:attrName>style.visibility</p:attrName>
-                                        </p:attrNameLst>
-                                      </p:cBhvr>
-                                      <p:to>
-                                        <p:strVal val="visible"/>
-                                      </p:to>
-                                    </p:set>
-                                    <p:animEffect transition="in" filter="fade">
-                                      <p:cBhvr>
-                                        <p:cTn id="20" dur="500"/>
-                                        <p:tgtEl>
-                                          <p:spTgt spid="11"/>
-                                        </p:tgtEl>
-                                      </p:cBhvr>
-                                    </p:animEffect>
-                                  </p:childTnLst>
-                                </p:cTn>
-                              </p:par>
-                            </p:childTnLst>
-                          </p:cTn>
-                        </p:par>
-                      </p:childTnLst>
-                    </p:cTn>
-                  </p:par>
-                  <p:par>
-                    <p:cTn id="21" fill="hold">
-                      <p:stCondLst>
-                        <p:cond delay="indefinite"/>
-                      </p:stCondLst>
-                      <p:childTnLst>
-                        <p:par>
-                          <p:cTn id="22" fill="hold">
-                            <p:stCondLst>
-                              <p:cond delay="0"/>
-                            </p:stCondLst>
-                            <p:childTnLst>
-                              <p:par>
-                                <p:cTn id="23" presetID="10" presetClass="entr" presetSubtype="0" fill="hold" grpId="0" nodeType="clickEffect">
-                                  <p:stCondLst>
-                                    <p:cond delay="0"/>
-                                  </p:stCondLst>
-                                  <p:childTnLst>
-                                    <p:set>
-                                      <p:cBhvr>
-                                        <p:cTn id="24" dur="1" fill="hold">
-                                          <p:stCondLst>
-                                            <p:cond delay="0"/>
-                                          </p:stCondLst>
-                                        </p:cTn>
-                                        <p:tgtEl>
-                                          <p:spTgt spid="12"/>
-                                        </p:tgtEl>
-                                        <p:attrNameLst>
-                                          <p:attrName>style.visibility</p:attrName>
-                                        </p:attrNameLst>
-                                      </p:cBhvr>
-                                      <p:to>
-                                        <p:strVal val="visible"/>
-                                      </p:to>
-                                    </p:set>
-                                    <p:animEffect transition="in" filter="fade">
-                                      <p:cBhvr>
-                                        <p:cTn id="25" dur="500"/>
-                                        <p:tgtEl>
-                                          <p:spTgt spid="12"/>
-                                        </p:tgtEl>
-                                      </p:cBhvr>
-                                    </p:animEffect>
-                                  </p:childTnLst>
-                                </p:cTn>
-                              </p:par>
-                              <p:par>
-                                <p:cTn id="26" presetID="10" presetClass="entr" presetSubtype="0" fill="hold" grpId="0" nodeType="withEffect">
-                                  <p:stCondLst>
-                                    <p:cond delay="0"/>
-                                  </p:stCondLst>
-                                  <p:childTnLst>
-                                    <p:set>
-                                      <p:cBhvr>
-                                        <p:cTn id="27" dur="1" fill="hold">
-                                          <p:stCondLst>
-                                            <p:cond delay="0"/>
-                                          </p:stCondLst>
-                                        </p:cTn>
-                                        <p:tgtEl>
-                                          <p:spTgt spid="13"/>
-                                        </p:tgtEl>
-                                        <p:attrNameLst>
-                                          <p:attrName>style.visibility</p:attrName>
-                                        </p:attrNameLst>
-                                      </p:cBhvr>
-                                      <p:to>
-                                        <p:strVal val="visible"/>
-                                      </p:to>
-                                    </p:set>
-                                    <p:animEffect transition="in" filter="fade">
-                                      <p:cBhvr>
-                                        <p:cTn id="28" dur="500"/>
-                                        <p:tgtEl>
-                                          <p:spTgt spid="13"/>
-                                        </p:tgtEl>
-                                      </p:cBhvr>
-                                    </p:animEffect>
-                                  </p:childTnLst>
-                                </p:cTn>
-                              </p:par>
-                              <p:par>
-                                <p:cTn id="29" presetID="10" presetClass="entr" presetSubtype="0" fill="hold" grpId="0" nodeType="withEffect">
-                                  <p:stCondLst>
-                                    <p:cond delay="0"/>
-                                  </p:stCondLst>
-                                  <p:childTnLst>
-                                    <p:set>
-                                      <p:cBhvr>
-                                        <p:cTn id="30" dur="1" fill="hold">
-                                          <p:stCondLst>
-                                            <p:cond delay="0"/>
-                                          </p:stCondLst>
-                                        </p:cTn>
-                                        <p:tgtEl>
-                                          <p:spTgt spid="14"/>
-                                        </p:tgtEl>
-                                        <p:attrNameLst>
-                                          <p:attrName>style.visibility</p:attrName>
-                                        </p:attrNameLst>
-                                      </p:cBhvr>
-                                      <p:to>
-                                        <p:strVal val="visible"/>
-                                      </p:to>
-                                    </p:set>
-                                    <p:animEffect transition="in" filter="fade">
-                                      <p:cBhvr>
-                                        <p:cTn id="31" dur="500"/>
-                                        <p:tgtEl>
-                                          <p:spTgt spid="14"/>
-                                        </p:tgtEl>
-                                      </p:cBhvr>
-                                    </p:animEffect>
-                                  </p:childTnLst>
-                                </p:cTn>
-                              </p:par>
-                              <p:par>
-                                <p:cTn id="32" presetID="10" presetClass="entr" presetSubtype="0" fill="hold" grpId="0" nodeType="withEffect">
-                                  <p:stCondLst>
-                                    <p:cond delay="0"/>
-                                  </p:stCondLst>
-                                  <p:childTnLst>
-                                    <p:set>
-                                      <p:cBhvr>
-                                        <p:cTn id="33" dur="1" fill="hold">
-                                          <p:stCondLst>
-                                            <p:cond delay="0"/>
-                                          </p:stCondLst>
-                                        </p:cTn>
-                                        <p:tgtEl>
-                                          <p:spTgt spid="15"/>
-                                        </p:tgtEl>
-                                        <p:attrNameLst>
-                                          <p:attrName>style.visibility</p:attrName>
-                                        </p:attrNameLst>
-                                      </p:cBhvr>
-                                      <p:to>
-                                        <p:strVal val="visible"/>
-                                      </p:to>
-                                    </p:set>
-                                    <p:animEffect transition="in" filter="fade">
-                                      <p:cBhvr>
-                                        <p:cTn id="34" dur="500"/>
-                                        <p:tgtEl>
-                                          <p:spTgt spid="15"/>
-                                        </p:tgtEl>
-                                      </p:cBhvr>
-                                    </p:animEffect>
-                                  </p:childTnLst>
-                                </p:cTn>
-                              </p:par>
-                            </p:childTnLst>
-                          </p:cTn>
-                        </p:par>
-                      </p:childTnLst>
-                    </p:cTn>
-                  </p:par>
-                </p:childTnLst>
-              </p:cTn>
-              <p:prevCondLst>
-                <p:cond evt="onPrev" delay="0">
-                  <p:tgtEl>
-                    <p:sldTgt/>
-                  </p:tgtEl>
-                </p:cond>
-              </p:prevCondLst>
-              <p:nextCondLst>
-                <p:cond evt="onNext" delay="0">
-                  <p:tgtEl>
-                    <p:sldTgt/>
-                  </p:tgtEl>
-                </p:cond>
-              </p:nextCondLst>
-            </p:seq>
-          </p:childTnLst>
-        </p:cTn>
-      </p:par>
-    </p:tnLst>
-    <p:bldLst>
-      <p:bldP spid="3" grpId="0"/>
-      <p:bldP spid="10" grpId="0" animBg="1"/>
-      <p:bldP spid="12" grpId="0"/>
-      <p:bldP spid="13" grpId="0"/>
-      <p:bldP spid="14" grpId="0"/>
-      <p:bldP spid="15" grpId="0"/>
-    </p:bldLst>
-  </p:timing>
-</p:sld>
-</file>
-
-<file path=ppt/slides/slide11.xml><?xml version="1.0" encoding="utf-8"?>
-<p:sld xmlns:a="http://schemas.openxmlformats.org/drawingml/2006/main" xmlns:r="http://schemas.openxmlformats.org/officeDocument/2006/relationships" xmlns:p="http://schemas.openxmlformats.org/presentationml/2006/main">
-  <p:cSld>
-    <p:spTree>
-      <p:nvGrpSpPr>
-        <p:cNvPr id="1" name=""/>
-        <p:cNvGrpSpPr/>
-        <p:nvPr/>
-      </p:nvGrpSpPr>
-      <p:grpSpPr>
-        <a:xfrm>
-          <a:off x="0" y="0"/>
-          <a:ext cx="0" cy="0"/>
-          <a:chOff x="0" y="0"/>
-          <a:chExt cx="0" cy="0"/>
-        </a:xfrm>
-      </p:grpSpPr>
-      <p:sp>
-        <p:nvSpPr>
-          <p:cNvPr id="2" name="Dikdörtgen 1">
-            <a:extLst>
-              <a:ext uri="{FF2B5EF4-FFF2-40B4-BE49-F238E27FC236}">
-                <a16:creationId xmlns:a16="http://schemas.microsoft.com/office/drawing/2014/main" id="{9E7DAE9A-5611-476C-9343-F8F6556FE056}"/>
-              </a:ext>
-            </a:extLst>
-          </p:cNvPr>
-          <p:cNvSpPr/>
-          <p:nvPr/>
-        </p:nvSpPr>
-        <p:spPr>
-          <a:xfrm>
-            <a:off x="1818167" y="1532261"/>
-            <a:ext cx="8867554" cy="3539430"/>
-          </a:xfrm>
-          <a:prstGeom prst="rect">
-            <a:avLst/>
-          </a:prstGeom>
-        </p:spPr>
-        <p:txBody>
-          <a:bodyPr wrap="square">
-            <a:spAutoFit/>
-          </a:bodyPr>
-          <a:lstStyle/>
-          <a:p>
-            <a:pPr marL="342900" indent="-342900">
-              <a:buFont typeface="Arial" panose="020B0604020202020204" pitchFamily="34" charset="0"/>
-              <a:buChar char="•"/>
-            </a:pPr>
-            <a:r>
-              <a:rPr lang="tr-TR" sz="2800" dirty="0">
-                <a:solidFill>
-                  <a:srgbClr val="0070C0"/>
-                </a:solidFill>
-                <a:latin typeface="Roboto"/>
-              </a:rPr>
-              <a:t>Eğitim seti çok küçükse, </a:t>
-            </a:r>
-          </a:p>
-          <a:p>
-            <a:pPr marL="342900" indent="-342900">
-              <a:buFont typeface="Arial" panose="020B0604020202020204" pitchFamily="34" charset="0"/>
-              <a:buChar char="•"/>
-            </a:pPr>
-            <a:r>
-              <a:rPr lang="tr-TR" sz="2800" dirty="0">
-                <a:solidFill>
-                  <a:srgbClr val="0070C0"/>
-                </a:solidFill>
-                <a:latin typeface="Roboto"/>
-              </a:rPr>
-              <a:t>Verinin temsil gücü zayıfsa, </a:t>
-            </a:r>
-          </a:p>
-          <a:p>
-            <a:pPr marL="342900" indent="-342900">
-              <a:buFont typeface="Arial" panose="020B0604020202020204" pitchFamily="34" charset="0"/>
-              <a:buChar char="•"/>
-            </a:pPr>
-            <a:r>
-              <a:rPr lang="tr-TR" sz="2800" dirty="0">
-                <a:solidFill>
-                  <a:srgbClr val="0070C0"/>
-                </a:solidFill>
-                <a:latin typeface="Roboto"/>
-              </a:rPr>
-              <a:t>Gürültülü veya alakasız özelliklerle kirlenmişse</a:t>
-            </a:r>
-          </a:p>
-          <a:p>
-            <a:r>
-              <a:rPr lang="tr-TR" sz="2800" dirty="0">
-                <a:solidFill>
-                  <a:srgbClr val="0070C0"/>
-                </a:solidFill>
-                <a:latin typeface="Roboto"/>
-              </a:rPr>
-              <a:t>Sistem iyi performans göstermeyecektir. </a:t>
-            </a:r>
-          </a:p>
-          <a:p>
-            <a:endParaRPr lang="tr-TR" sz="2800" dirty="0">
-              <a:solidFill>
-                <a:srgbClr val="0070C0"/>
-              </a:solidFill>
-              <a:latin typeface="Roboto"/>
-            </a:endParaRPr>
-          </a:p>
-          <a:p>
-            <a:r>
-              <a:rPr lang="tr-TR" sz="2800" dirty="0">
-                <a:solidFill>
-                  <a:srgbClr val="0070C0"/>
-                </a:solidFill>
-                <a:latin typeface="Roboto"/>
-              </a:rPr>
-              <a:t>Son olarak, modelinizin ne çok basit (zayıf öğrenme eğilimli), ne de karmaşık (aşırı öğrenme eğilimli) olması gerekir.</a:t>
-            </a:r>
-          </a:p>
-        </p:txBody>
-      </p:sp>
-      <p:sp>
-        <p:nvSpPr>
-          <p:cNvPr id="3" name="Rectangle 7">
-            <a:extLst>
-              <a:ext uri="{FF2B5EF4-FFF2-40B4-BE49-F238E27FC236}">
-                <a16:creationId xmlns:a16="http://schemas.microsoft.com/office/drawing/2014/main" id="{D42DE1B9-BAF2-438A-99D4-A19B593936A9}"/>
-              </a:ext>
-            </a:extLst>
-          </p:cNvPr>
-          <p:cNvSpPr>
-            <a:spLocks noChangeArrowheads="1"/>
-          </p:cNvSpPr>
-          <p:nvPr/>
-        </p:nvSpPr>
-        <p:spPr bwMode="auto">
-          <a:xfrm>
-            <a:off x="1818167" y="571412"/>
-            <a:ext cx="8429625" cy="590931"/>
-          </a:xfrm>
-          <a:prstGeom prst="rect">
-            <a:avLst/>
-          </a:prstGeom>
-          <a:noFill/>
-          <a:ln>
-            <a:noFill/>
-          </a:ln>
-          <a:extLst>
-            <a:ext uri="{909E8E84-426E-40DD-AFC4-6F175D3DCCD1}">
-              <a14:hiddenFill xmlns:a14="http://schemas.microsoft.com/office/drawing/2010/main">
-                <a:solidFill>
-                  <a:srgbClr val="FFFFFF"/>
-                </a:solidFill>
-              </a14:hiddenFill>
-            </a:ext>
-            <a:ext uri="{91240B29-F687-4F45-9708-019B960494DF}">
-              <a14:hiddenLine xmlns:a14="http://schemas.microsoft.com/office/drawing/2010/main" w="9525">
-                <a:solidFill>
-                  <a:srgbClr val="000000"/>
-                </a:solidFill>
-                <a:miter lim="800000"/>
-                <a:headEnd/>
-                <a:tailEnd/>
-              </a14:hiddenLine>
-            </a:ext>
-          </a:extLst>
-        </p:spPr>
-        <p:txBody>
-          <a:bodyPr>
-            <a:spAutoFit/>
-          </a:bodyPr>
-          <a:lstStyle/>
-          <a:p>
-            <a:pPr marL="0" lvl="1" algn="ctr">
-              <a:lnSpc>
-                <a:spcPct val="90000"/>
-              </a:lnSpc>
-              <a:spcBef>
-                <a:spcPct val="0"/>
-              </a:spcBef>
-            </a:pPr>
-            <a:r>
-              <a:rPr lang="tr-TR" sz="3600" b="1" dirty="0">
-                <a:solidFill>
-                  <a:srgbClr val="FF1F20"/>
-                </a:solidFill>
-                <a:latin typeface="Arial" panose="020B0604020202020204" pitchFamily="34" charset="0"/>
-                <a:ea typeface="Verdana" panose="020B0604030504040204" pitchFamily="34" charset="0"/>
-                <a:cs typeface="Arial" panose="020B0604020202020204" pitchFamily="34" charset="0"/>
-              </a:rPr>
-              <a:t>SON OLARAK</a:t>
-            </a:r>
-          </a:p>
-        </p:txBody>
-      </p:sp>
-      <p:cxnSp>
-        <p:nvCxnSpPr>
-          <p:cNvPr id="4" name="Düz Bağlayıcı 3">
-            <a:extLst>
-              <a:ext uri="{FF2B5EF4-FFF2-40B4-BE49-F238E27FC236}">
-                <a16:creationId xmlns:a16="http://schemas.microsoft.com/office/drawing/2014/main" id="{68211B83-E745-445D-8DE8-1B7308F949CC}"/>
-              </a:ext>
-            </a:extLst>
-          </p:cNvPr>
-          <p:cNvCxnSpPr/>
-          <p:nvPr/>
-        </p:nvCxnSpPr>
-        <p:spPr>
-          <a:xfrm>
-            <a:off x="228596" y="6166763"/>
-            <a:ext cx="11768671" cy="0"/>
-          </a:xfrm>
-          <a:prstGeom prst="line">
-            <a:avLst/>
-          </a:prstGeom>
-          <a:ln w="101600" cmpd="thickThin">
-            <a:solidFill>
-              <a:schemeClr val="accent1">
-                <a:lumMod val="75000"/>
-              </a:schemeClr>
-            </a:solidFill>
-          </a:ln>
-        </p:spPr>
-        <p:style>
-          <a:lnRef idx="1">
-            <a:schemeClr val="accent1"/>
-          </a:lnRef>
-          <a:fillRef idx="0">
-            <a:schemeClr val="accent1"/>
-          </a:fillRef>
-          <a:effectRef idx="0">
-            <a:schemeClr val="accent1"/>
-          </a:effectRef>
-          <a:fontRef idx="minor">
-            <a:schemeClr val="tx1"/>
-          </a:fontRef>
-        </p:style>
-      </p:cxnSp>
-    </p:spTree>
-    <p:extLst>
-      <p:ext uri="{BB962C8B-B14F-4D97-AF65-F5344CB8AC3E}">
-        <p14:creationId xmlns:p14="http://schemas.microsoft.com/office/powerpoint/2010/main" val="3622917333"/>
-      </p:ext>
-    </p:extLst>
-  </p:cSld>
-  <p:clrMapOvr>
-    <a:masterClrMapping/>
-  </p:clrMapOvr>
-  <p:timing>
-    <p:tnLst>
-      <p:par>
-        <p:cTn id="1" dur="indefinite" restart="never" nodeType="tmRoot">
-          <p:childTnLst>
-            <p:seq concurrent="1" nextAc="seek">
-              <p:cTn id="2" dur="indefinite" nodeType="mainSeq">
-                <p:childTnLst>
-                  <p:par>
-                    <p:cTn id="3" fill="hold">
-                      <p:stCondLst>
-                        <p:cond delay="indefinite"/>
-                      </p:stCondLst>
-                      <p:childTnLst>
-                        <p:par>
-                          <p:cTn id="4" fill="hold">
-                            <p:stCondLst>
-                              <p:cond delay="0"/>
-                            </p:stCondLst>
-                            <p:childTnLst>
-                              <p:par>
-                                <p:cTn id="5" presetID="10" presetClass="entr" presetSubtype="0" fill="hold" nodeType="clickEffect">
-                                  <p:stCondLst>
-                                    <p:cond delay="0"/>
-                                  </p:stCondLst>
-                                  <p:childTnLst>
-                                    <p:set>
-                                      <p:cBhvr>
-                                        <p:cTn id="6" dur="1" fill="hold">
-                                          <p:stCondLst>
-                                            <p:cond delay="0"/>
-                                          </p:stCondLst>
-                                        </p:cTn>
-                                        <p:tgtEl>
-                                          <p:spTgt spid="2">
-                                            <p:txEl>
-                                              <p:pRg st="0" end="0"/>
-                                            </p:txEl>
-                                          </p:spTgt>
-                                        </p:tgtEl>
-                                        <p:attrNameLst>
-                                          <p:attrName>style.visibility</p:attrName>
-                                        </p:attrNameLst>
-                                      </p:cBhvr>
-                                      <p:to>
-                                        <p:strVal val="visible"/>
-                                      </p:to>
-                                    </p:set>
-                                    <p:animEffect transition="in" filter="fade">
-                                      <p:cBhvr>
-                                        <p:cTn id="7" dur="500"/>
-                                        <p:tgtEl>
-                                          <p:spTgt spid="2">
-                                            <p:txEl>
-                                              <p:pRg st="0" end="0"/>
-                                            </p:txEl>
-                                          </p:spTgt>
-                                        </p:tgtEl>
-                                      </p:cBhvr>
-                                    </p:animEffect>
-                                  </p:childTnLst>
-                                </p:cTn>
-                              </p:par>
-                            </p:childTnLst>
-                          </p:cTn>
-                        </p:par>
-                      </p:childTnLst>
-                    </p:cTn>
-                  </p:par>
-                  <p:par>
-                    <p:cTn id="8" fill="hold">
-                      <p:stCondLst>
-                        <p:cond delay="indefinite"/>
-                      </p:stCondLst>
-                      <p:childTnLst>
-                        <p:par>
-                          <p:cTn id="9" fill="hold">
-                            <p:stCondLst>
-                              <p:cond delay="0"/>
-                            </p:stCondLst>
-                            <p:childTnLst>
-                              <p:par>
-                                <p:cTn id="10" presetID="10" presetClass="entr" presetSubtype="0" fill="hold" nodeType="clickEffect">
-                                  <p:stCondLst>
-                                    <p:cond delay="0"/>
-                                  </p:stCondLst>
-                                  <p:childTnLst>
-                                    <p:set>
-                                      <p:cBhvr>
-                                        <p:cTn id="11" dur="1" fill="hold">
-                                          <p:stCondLst>
-                                            <p:cond delay="0"/>
-                                          </p:stCondLst>
-                                        </p:cTn>
-                                        <p:tgtEl>
-                                          <p:spTgt spid="2">
-                                            <p:txEl>
-                                              <p:pRg st="1" end="1"/>
-                                            </p:txEl>
-                                          </p:spTgt>
-                                        </p:tgtEl>
-                                        <p:attrNameLst>
-                                          <p:attrName>style.visibility</p:attrName>
-                                        </p:attrNameLst>
-                                      </p:cBhvr>
-                                      <p:to>
-                                        <p:strVal val="visible"/>
-                                      </p:to>
-                                    </p:set>
-                                    <p:animEffect transition="in" filter="fade">
-                                      <p:cBhvr>
-                                        <p:cTn id="12" dur="500"/>
-                                        <p:tgtEl>
-                                          <p:spTgt spid="2">
-                                            <p:txEl>
-                                              <p:pRg st="1" end="1"/>
-                                            </p:txEl>
-                                          </p:spTgt>
-                                        </p:tgtEl>
-                                      </p:cBhvr>
-                                    </p:animEffect>
-                                  </p:childTnLst>
-                                </p:cTn>
-                              </p:par>
-                            </p:childTnLst>
-                          </p:cTn>
-                        </p:par>
-                      </p:childTnLst>
-                    </p:cTn>
-                  </p:par>
-                  <p:par>
-                    <p:cTn id="13" fill="hold">
-                      <p:stCondLst>
-                        <p:cond delay="indefinite"/>
-                      </p:stCondLst>
-                      <p:childTnLst>
-                        <p:par>
-                          <p:cTn id="14" fill="hold">
-                            <p:stCondLst>
-                              <p:cond delay="0"/>
-                            </p:stCondLst>
-                            <p:childTnLst>
-                              <p:par>
-                                <p:cTn id="15" presetID="10" presetClass="entr" presetSubtype="0" fill="hold" nodeType="clickEffect">
-                                  <p:stCondLst>
-                                    <p:cond delay="0"/>
-                                  </p:stCondLst>
-                                  <p:childTnLst>
-                                    <p:set>
-                                      <p:cBhvr>
-                                        <p:cTn id="16" dur="1" fill="hold">
-                                          <p:stCondLst>
-                                            <p:cond delay="0"/>
-                                          </p:stCondLst>
-                                        </p:cTn>
-                                        <p:tgtEl>
-                                          <p:spTgt spid="2">
-                                            <p:txEl>
-                                              <p:pRg st="2" end="2"/>
-                                            </p:txEl>
-                                          </p:spTgt>
-                                        </p:tgtEl>
-                                        <p:attrNameLst>
-                                          <p:attrName>style.visibility</p:attrName>
-                                        </p:attrNameLst>
-                                      </p:cBhvr>
-                                      <p:to>
-                                        <p:strVal val="visible"/>
-                                      </p:to>
-                                    </p:set>
-                                    <p:animEffect transition="in" filter="fade">
-                                      <p:cBhvr>
-                                        <p:cTn id="17" dur="500"/>
-                                        <p:tgtEl>
-                                          <p:spTgt spid="2">
-                                            <p:txEl>
-                                              <p:pRg st="2" end="2"/>
-                                            </p:txEl>
-                                          </p:spTgt>
-                                        </p:tgtEl>
-                                      </p:cBhvr>
-                                    </p:animEffect>
-                                  </p:childTnLst>
-                                </p:cTn>
-                              </p:par>
-                            </p:childTnLst>
-                          </p:cTn>
-                        </p:par>
-                      </p:childTnLst>
-                    </p:cTn>
-                  </p:par>
-                  <p:par>
-                    <p:cTn id="18" fill="hold">
-                      <p:stCondLst>
-                        <p:cond delay="indefinite"/>
-                      </p:stCondLst>
-                      <p:childTnLst>
-                        <p:par>
-                          <p:cTn id="19" fill="hold">
-                            <p:stCondLst>
-                              <p:cond delay="0"/>
-                            </p:stCondLst>
-                            <p:childTnLst>
-                              <p:par>
-                                <p:cTn id="20" presetID="10" presetClass="entr" presetSubtype="0" fill="hold" nodeType="clickEffect">
-                                  <p:stCondLst>
-                                    <p:cond delay="0"/>
-                                  </p:stCondLst>
-                                  <p:childTnLst>
-                                    <p:set>
-                                      <p:cBhvr>
-                                        <p:cTn id="21" dur="1" fill="hold">
-                                          <p:stCondLst>
-                                            <p:cond delay="0"/>
-                                          </p:stCondLst>
-                                        </p:cTn>
-                                        <p:tgtEl>
-                                          <p:spTgt spid="2">
-                                            <p:txEl>
-                                              <p:pRg st="3" end="3"/>
-                                            </p:txEl>
-                                          </p:spTgt>
-                                        </p:tgtEl>
-                                        <p:attrNameLst>
-                                          <p:attrName>style.visibility</p:attrName>
-                                        </p:attrNameLst>
-                                      </p:cBhvr>
-                                      <p:to>
-                                        <p:strVal val="visible"/>
-                                      </p:to>
-                                    </p:set>
-                                    <p:animEffect transition="in" filter="fade">
-                                      <p:cBhvr>
-                                        <p:cTn id="22" dur="500"/>
-                                        <p:tgtEl>
-                                          <p:spTgt spid="2">
-                                            <p:txEl>
-                                              <p:pRg st="3" end="3"/>
-                                            </p:txEl>
-                                          </p:spTgt>
-                                        </p:tgtEl>
-                                      </p:cBhvr>
-                                    </p:animEffect>
-                                  </p:childTnLst>
-                                </p:cTn>
-                              </p:par>
-                            </p:childTnLst>
-                          </p:cTn>
-                        </p:par>
-                      </p:childTnLst>
-                    </p:cTn>
-                  </p:par>
-                  <p:par>
-                    <p:cTn id="23" fill="hold">
-                      <p:stCondLst>
-                        <p:cond delay="indefinite"/>
-                      </p:stCondLst>
-                      <p:childTnLst>
-                        <p:par>
-                          <p:cTn id="24" fill="hold">
-                            <p:stCondLst>
-                              <p:cond delay="0"/>
-                            </p:stCondLst>
-                            <p:childTnLst>
-                              <p:par>
-                                <p:cTn id="25" presetID="10" presetClass="entr" presetSubtype="0" fill="hold" nodeType="clickEffect">
-                                  <p:stCondLst>
-                                    <p:cond delay="0"/>
-                                  </p:stCondLst>
-                                  <p:childTnLst>
-                                    <p:set>
-                                      <p:cBhvr>
-                                        <p:cTn id="26" dur="1" fill="hold">
-                                          <p:stCondLst>
-                                            <p:cond delay="0"/>
-                                          </p:stCondLst>
-                                        </p:cTn>
-                                        <p:tgtEl>
-                                          <p:spTgt spid="2">
-                                            <p:txEl>
-                                              <p:pRg st="5" end="5"/>
-                                            </p:txEl>
-                                          </p:spTgt>
-                                        </p:tgtEl>
-                                        <p:attrNameLst>
-                                          <p:attrName>style.visibility</p:attrName>
-                                        </p:attrNameLst>
-                                      </p:cBhvr>
-                                      <p:to>
-                                        <p:strVal val="visible"/>
-                                      </p:to>
-                                    </p:set>
-                                    <p:animEffect transition="in" filter="fade">
-                                      <p:cBhvr>
-                                        <p:cTn id="27" dur="500"/>
-                                        <p:tgtEl>
-                                          <p:spTgt spid="2">
-                                            <p:txEl>
-                                              <p:pRg st="5" end="5"/>
-                                            </p:txEl>
-                                          </p:spTgt>
-                                        </p:tgtEl>
-                                      </p:cBhvr>
-                                    </p:animEffect>
-                                  </p:childTnLst>
-                                </p:cTn>
-                              </p:par>
-                            </p:childTnLst>
-                          </p:cTn>
-                        </p:par>
-                      </p:childTnLst>
-                    </p:cTn>
-                  </p:par>
-                </p:childTnLst>
-              </p:cTn>
-              <p:prevCondLst>
-                <p:cond evt="onPrev" delay="0">
-                  <p:tgtEl>
-                    <p:sldTgt/>
-                  </p:tgtEl>
-                </p:cond>
-              </p:prevCondLst>
-              <p:nextCondLst>
-                <p:cond evt="onNext" delay="0">
-                  <p:tgtEl>
-                    <p:sldTgt/>
-                  </p:tgtEl>
-                </p:cond>
-              </p:nextCondLst>
-            </p:seq>
-          </p:childTnLst>
-        </p:cTn>
-      </p:par>
-    </p:tnLst>
-  </p:timing>
 </p:sld>
 </file>
 
@@ -8557,454 +7044,6 @@
     </p:tnLst>
     <p:bldLst>
       <p:bldP spid="10" grpId="0"/>
-    </p:bldLst>
-  </p:timing>
-</p:sld>
-</file>
-
-<file path=ppt/slides/slide9.xml><?xml version="1.0" encoding="utf-8"?>
-<p:sld xmlns:a="http://schemas.openxmlformats.org/drawingml/2006/main" xmlns:r="http://schemas.openxmlformats.org/officeDocument/2006/relationships" xmlns:p="http://schemas.openxmlformats.org/presentationml/2006/main">
-  <p:cSld>
-    <p:spTree>
-      <p:nvGrpSpPr>
-        <p:cNvPr id="1" name=""/>
-        <p:cNvGrpSpPr/>
-        <p:nvPr/>
-      </p:nvGrpSpPr>
-      <p:grpSpPr>
-        <a:xfrm>
-          <a:off x="0" y="0"/>
-          <a:ext cx="0" cy="0"/>
-          <a:chOff x="0" y="0"/>
-          <a:chExt cx="0" cy="0"/>
-        </a:xfrm>
-      </p:grpSpPr>
-      <p:sp>
-        <p:nvSpPr>
-          <p:cNvPr id="5" name="Unvan 1"/>
-          <p:cNvSpPr txBox="1">
-            <a:spLocks/>
-          </p:cNvSpPr>
-          <p:nvPr/>
-        </p:nvSpPr>
-        <p:spPr>
-          <a:xfrm>
-            <a:off x="1363130" y="398780"/>
-            <a:ext cx="9144000" cy="675975"/>
-          </a:xfrm>
-          <a:prstGeom prst="rect">
-            <a:avLst/>
-          </a:prstGeom>
-        </p:spPr>
-        <p:txBody>
-          <a:bodyPr>
-            <a:normAutofit/>
-          </a:bodyPr>
-          <a:lstStyle>
-            <a:lvl1pPr algn="l" defTabSz="914400" rtl="0" eaLnBrk="1" latinLnBrk="0" hangingPunct="1">
-              <a:lnSpc>
-                <a:spcPct val="90000"/>
-              </a:lnSpc>
-              <a:spcBef>
-                <a:spcPct val="0"/>
-              </a:spcBef>
-              <a:buNone/>
-              <a:defRPr sz="4400" kern="1200">
-                <a:solidFill>
-                  <a:schemeClr val="tx1"/>
-                </a:solidFill>
-                <a:latin typeface="+mj-lt"/>
-                <a:ea typeface="+mj-ea"/>
-                <a:cs typeface="+mj-cs"/>
-              </a:defRPr>
-            </a:lvl1pPr>
-          </a:lstStyle>
-          <a:p>
-            <a:pPr algn="ctr"/>
-            <a:r>
-              <a:rPr lang="tr-TR" sz="4200" b="1" dirty="0">
-                <a:solidFill>
-                  <a:srgbClr val="FF1F20"/>
-                </a:solidFill>
-                <a:latin typeface="Arial" panose="020B0604020202020204" pitchFamily="34" charset="0"/>
-                <a:ea typeface="Verdana" panose="020B0604030504040204" pitchFamily="34" charset="0"/>
-                <a:cs typeface="Arial" panose="020B0604020202020204" pitchFamily="34" charset="0"/>
-              </a:rPr>
-              <a:t>Örneklem Hataları</a:t>
-            </a:r>
-            <a:endParaRPr lang="en-US" sz="4200" b="1" dirty="0">
-              <a:solidFill>
-                <a:srgbClr val="FF1F20"/>
-              </a:solidFill>
-              <a:latin typeface="Arial" panose="020B0604020202020204" pitchFamily="34" charset="0"/>
-              <a:ea typeface="Verdana" panose="020B0604030504040204" pitchFamily="34" charset="0"/>
-              <a:cs typeface="Arial" panose="020B0604020202020204" pitchFamily="34" charset="0"/>
-            </a:endParaRPr>
-          </a:p>
-        </p:txBody>
-      </p:sp>
-      <p:sp>
-        <p:nvSpPr>
-          <p:cNvPr id="3" name="Dikdörtgen 2">
-            <a:extLst>
-              <a:ext uri="{FF2B5EF4-FFF2-40B4-BE49-F238E27FC236}">
-                <a16:creationId xmlns:a16="http://schemas.microsoft.com/office/drawing/2014/main" id="{E883A5CF-C753-4A60-A101-6F0BB8D09B77}"/>
-              </a:ext>
-            </a:extLst>
-          </p:cNvPr>
-          <p:cNvSpPr/>
-          <p:nvPr/>
-        </p:nvSpPr>
-        <p:spPr>
-          <a:xfrm>
-            <a:off x="2670934" y="1406467"/>
-            <a:ext cx="6528391" cy="954107"/>
-          </a:xfrm>
-          <a:prstGeom prst="rect">
-            <a:avLst/>
-          </a:prstGeom>
-        </p:spPr>
-        <p:txBody>
-          <a:bodyPr wrap="square">
-            <a:spAutoFit/>
-          </a:bodyPr>
-          <a:lstStyle/>
-          <a:p>
-            <a:pPr algn="ctr"/>
-            <a:r>
-              <a:rPr lang="tr-TR" sz="2800" dirty="0">
-                <a:latin typeface="Roboto"/>
-              </a:rPr>
-              <a:t>Seçim sonucunu tahmin için Taksim’e çıktık ve önümüze gelene anket yaptık.</a:t>
-            </a:r>
-          </a:p>
-        </p:txBody>
-      </p:sp>
-      <p:sp>
-        <p:nvSpPr>
-          <p:cNvPr id="6" name="Dikdörtgen 5">
-            <a:extLst>
-              <a:ext uri="{FF2B5EF4-FFF2-40B4-BE49-F238E27FC236}">
-                <a16:creationId xmlns:a16="http://schemas.microsoft.com/office/drawing/2014/main" id="{2655BAF2-B23D-4AB4-AB78-8E5E7B2215A5}"/>
-              </a:ext>
-            </a:extLst>
-          </p:cNvPr>
-          <p:cNvSpPr/>
-          <p:nvPr/>
-        </p:nvSpPr>
-        <p:spPr>
-          <a:xfrm>
-            <a:off x="2511277" y="2736502"/>
-            <a:ext cx="6528391" cy="1384995"/>
-          </a:xfrm>
-          <a:prstGeom prst="rect">
-            <a:avLst/>
-          </a:prstGeom>
-        </p:spPr>
-        <p:txBody>
-          <a:bodyPr wrap="square">
-            <a:spAutoFit/>
-          </a:bodyPr>
-          <a:lstStyle/>
-          <a:p>
-            <a:pPr algn="ctr"/>
-            <a:r>
-              <a:rPr lang="tr-TR" sz="2800" dirty="0" err="1">
-                <a:latin typeface="Roboto"/>
-              </a:rPr>
-              <a:t>LinkedIn</a:t>
-            </a:r>
-            <a:r>
-              <a:rPr lang="tr-TR" sz="2800" dirty="0">
-                <a:latin typeface="Roboto"/>
-              </a:rPr>
-              <a:t> kullanıcılarına anket gönderdik. Cevaplarına göre tahmin yaptık.</a:t>
-            </a:r>
-          </a:p>
-        </p:txBody>
-      </p:sp>
-      <p:sp>
-        <p:nvSpPr>
-          <p:cNvPr id="7" name="Dikdörtgen 6">
-            <a:extLst>
-              <a:ext uri="{FF2B5EF4-FFF2-40B4-BE49-F238E27FC236}">
-                <a16:creationId xmlns:a16="http://schemas.microsoft.com/office/drawing/2014/main" id="{1771FFDE-466C-416E-A287-D448C3C9B58F}"/>
-              </a:ext>
-            </a:extLst>
-          </p:cNvPr>
-          <p:cNvSpPr/>
-          <p:nvPr/>
-        </p:nvSpPr>
-        <p:spPr>
-          <a:xfrm>
-            <a:off x="2831804" y="4398249"/>
-            <a:ext cx="6528391" cy="954107"/>
-          </a:xfrm>
-          <a:prstGeom prst="rect">
-            <a:avLst/>
-          </a:prstGeom>
-        </p:spPr>
-        <p:txBody>
-          <a:bodyPr wrap="square">
-            <a:spAutoFit/>
-          </a:bodyPr>
-          <a:lstStyle/>
-          <a:p>
-            <a:pPr algn="ctr"/>
-            <a:r>
-              <a:rPr lang="tr-TR" sz="2800" dirty="0">
-                <a:latin typeface="Roboto"/>
-              </a:rPr>
-              <a:t>Gönderilen cevapların %30’u geri dönmedi önemsemedik.</a:t>
-            </a:r>
-          </a:p>
-        </p:txBody>
-      </p:sp>
-      <p:cxnSp>
-        <p:nvCxnSpPr>
-          <p:cNvPr id="8" name="Düz Bağlayıcı 7">
-            <a:extLst>
-              <a:ext uri="{FF2B5EF4-FFF2-40B4-BE49-F238E27FC236}">
-                <a16:creationId xmlns:a16="http://schemas.microsoft.com/office/drawing/2014/main" id="{53655446-95B8-40BC-89E1-DC0BD91DF4C0}"/>
-              </a:ext>
-            </a:extLst>
-          </p:cNvPr>
-          <p:cNvCxnSpPr/>
-          <p:nvPr/>
-        </p:nvCxnSpPr>
-        <p:spPr>
-          <a:xfrm>
-            <a:off x="228596" y="6166763"/>
-            <a:ext cx="11768671" cy="0"/>
-          </a:xfrm>
-          <a:prstGeom prst="line">
-            <a:avLst/>
-          </a:prstGeom>
-          <a:ln w="101600" cmpd="thickThin">
-            <a:solidFill>
-              <a:schemeClr val="accent1">
-                <a:lumMod val="75000"/>
-              </a:schemeClr>
-            </a:solidFill>
-          </a:ln>
-        </p:spPr>
-        <p:style>
-          <a:lnRef idx="1">
-            <a:schemeClr val="accent1"/>
-          </a:lnRef>
-          <a:fillRef idx="0">
-            <a:schemeClr val="accent1"/>
-          </a:fillRef>
-          <a:effectRef idx="0">
-            <a:schemeClr val="accent1"/>
-          </a:effectRef>
-          <a:fontRef idx="minor">
-            <a:schemeClr val="tx1"/>
-          </a:fontRef>
-        </p:style>
-      </p:cxnSp>
-    </p:spTree>
-    <p:extLst>
-      <p:ext uri="{BB962C8B-B14F-4D97-AF65-F5344CB8AC3E}">
-        <p14:creationId xmlns:p14="http://schemas.microsoft.com/office/powerpoint/2010/main" val="2235980646"/>
-      </p:ext>
-    </p:extLst>
-  </p:cSld>
-  <p:clrMapOvr>
-    <a:masterClrMapping/>
-  </p:clrMapOvr>
-  <p:timing>
-    <p:tnLst>
-      <p:par>
-        <p:cTn id="1" dur="indefinite" restart="never" nodeType="tmRoot">
-          <p:childTnLst>
-            <p:seq concurrent="1" nextAc="seek">
-              <p:cTn id="2" dur="indefinite" nodeType="mainSeq">
-                <p:childTnLst>
-                  <p:par>
-                    <p:cTn id="3" fill="hold">
-                      <p:stCondLst>
-                        <p:cond delay="indefinite"/>
-                      </p:stCondLst>
-                      <p:childTnLst>
-                        <p:par>
-                          <p:cTn id="4" fill="hold">
-                            <p:stCondLst>
-                              <p:cond delay="0"/>
-                            </p:stCondLst>
-                            <p:childTnLst>
-                              <p:par>
-                                <p:cTn id="5" presetID="10" presetClass="entr" presetSubtype="0" fill="hold" grpId="0" nodeType="clickEffect">
-                                  <p:stCondLst>
-                                    <p:cond delay="0"/>
-                                  </p:stCondLst>
-                                  <p:childTnLst>
-                                    <p:set>
-                                      <p:cBhvr>
-                                        <p:cTn id="6" dur="1" fill="hold">
-                                          <p:stCondLst>
-                                            <p:cond delay="0"/>
-                                          </p:stCondLst>
-                                        </p:cTn>
-                                        <p:tgtEl>
-                                          <p:spTgt spid="3"/>
-                                        </p:tgtEl>
-                                        <p:attrNameLst>
-                                          <p:attrName>style.visibility</p:attrName>
-                                        </p:attrNameLst>
-                                      </p:cBhvr>
-                                      <p:to>
-                                        <p:strVal val="visible"/>
-                                      </p:to>
-                                    </p:set>
-                                    <p:animEffect transition="in" filter="fade">
-                                      <p:cBhvr>
-                                        <p:cTn id="7" dur="500"/>
-                                        <p:tgtEl>
-                                          <p:spTgt spid="3"/>
-                                        </p:tgtEl>
-                                      </p:cBhvr>
-                                    </p:animEffect>
-                                  </p:childTnLst>
-                                </p:cTn>
-                              </p:par>
-                            </p:childTnLst>
-                          </p:cTn>
-                        </p:par>
-                      </p:childTnLst>
-                    </p:cTn>
-                  </p:par>
-                  <p:par>
-                    <p:cTn id="8" fill="hold">
-                      <p:stCondLst>
-                        <p:cond delay="indefinite"/>
-                      </p:stCondLst>
-                      <p:childTnLst>
-                        <p:par>
-                          <p:cTn id="9" fill="hold">
-                            <p:stCondLst>
-                              <p:cond delay="0"/>
-                            </p:stCondLst>
-                            <p:childTnLst>
-                              <p:par>
-                                <p:cTn id="10" presetID="10" presetClass="entr" presetSubtype="0" fill="hold" grpId="0" nodeType="clickEffect">
-                                  <p:stCondLst>
-                                    <p:cond delay="0"/>
-                                  </p:stCondLst>
-                                  <p:childTnLst>
-                                    <p:set>
-                                      <p:cBhvr>
-                                        <p:cTn id="11" dur="1" fill="hold">
-                                          <p:stCondLst>
-                                            <p:cond delay="0"/>
-                                          </p:stCondLst>
-                                        </p:cTn>
-                                        <p:tgtEl>
-                                          <p:spTgt spid="6"/>
-                                        </p:tgtEl>
-                                        <p:attrNameLst>
-                                          <p:attrName>style.visibility</p:attrName>
-                                        </p:attrNameLst>
-                                      </p:cBhvr>
-                                      <p:to>
-                                        <p:strVal val="visible"/>
-                                      </p:to>
-                                    </p:set>
-                                    <p:animEffect transition="in" filter="fade">
-                                      <p:cBhvr>
-                                        <p:cTn id="12" dur="500"/>
-                                        <p:tgtEl>
-                                          <p:spTgt spid="6"/>
-                                        </p:tgtEl>
-                                      </p:cBhvr>
-                                    </p:animEffect>
-                                  </p:childTnLst>
-                                </p:cTn>
-                              </p:par>
-                            </p:childTnLst>
-                          </p:cTn>
-                        </p:par>
-                      </p:childTnLst>
-                    </p:cTn>
-                  </p:par>
-                  <p:par>
-                    <p:cTn id="13" fill="hold">
-                      <p:stCondLst>
-                        <p:cond delay="indefinite"/>
-                      </p:stCondLst>
-                      <p:childTnLst>
-                        <p:par>
-                          <p:cTn id="14" fill="hold">
-                            <p:stCondLst>
-                              <p:cond delay="0"/>
-                            </p:stCondLst>
-                            <p:childTnLst>
-                              <p:par>
-                                <p:cTn id="15" presetID="10" presetClass="entr" presetSubtype="0" fill="hold" grpId="0" nodeType="clickEffect">
-                                  <p:stCondLst>
-                                    <p:cond delay="0"/>
-                                  </p:stCondLst>
-                                  <p:childTnLst>
-                                    <p:set>
-                                      <p:cBhvr>
-                                        <p:cTn id="16" dur="1" fill="hold">
-                                          <p:stCondLst>
-                                            <p:cond delay="0"/>
-                                          </p:stCondLst>
-                                        </p:cTn>
-                                        <p:tgtEl>
-                                          <p:spTgt spid="7"/>
-                                        </p:tgtEl>
-                                        <p:attrNameLst>
-                                          <p:attrName>style.visibility</p:attrName>
-                                        </p:attrNameLst>
-                                      </p:cBhvr>
-                                      <p:to>
-                                        <p:strVal val="visible"/>
-                                      </p:to>
-                                    </p:set>
-                                    <p:animEffect transition="in" filter="fade">
-                                      <p:cBhvr>
-                                        <p:cTn id="17" dur="500"/>
-                                        <p:tgtEl>
-                                          <p:spTgt spid="7"/>
-                                        </p:tgtEl>
-                                      </p:cBhvr>
-                                    </p:animEffect>
-                                  </p:childTnLst>
-                                </p:cTn>
-                              </p:par>
-                            </p:childTnLst>
-                          </p:cTn>
-                        </p:par>
-                      </p:childTnLst>
-                    </p:cTn>
-                  </p:par>
-                </p:childTnLst>
-              </p:cTn>
-              <p:prevCondLst>
-                <p:cond evt="onPrev" delay="0">
-                  <p:tgtEl>
-                    <p:sldTgt/>
-                  </p:tgtEl>
-                </p:cond>
-              </p:prevCondLst>
-              <p:nextCondLst>
-                <p:cond evt="onNext" delay="0">
-                  <p:tgtEl>
-                    <p:sldTgt/>
-                  </p:tgtEl>
-                </p:cond>
-              </p:nextCondLst>
-            </p:seq>
-          </p:childTnLst>
-        </p:cTn>
-      </p:par>
-    </p:tnLst>
-    <p:bldLst>
-      <p:bldP spid="3" grpId="0"/>
-      <p:bldP spid="6" grpId="0"/>
-      <p:bldP spid="7" grpId="0"/>
     </p:bldLst>
   </p:timing>
 </p:sld>
